--- a/Star Regain企画書.pptx
+++ b/Star Regain企画書.pptx
@@ -259,7 +259,7 @@
           <a:p>
             <a:fld id="{FE075636-8E0A-4769-B2B1-5847A2D30EA1}" type="datetimeFigureOut">
               <a:rPr kumimoji="1" lang="ja-JP" altLang="en-US" smtClean="0"/>
-              <a:t>2019/2/19</a:t>
+              <a:t>2019/4/25</a:t>
             </a:fld>
             <a:endParaRPr kumimoji="1" lang="ja-JP" altLang="en-US"/>
           </a:p>
@@ -461,7 +461,7 @@
           <a:p>
             <a:fld id="{FE075636-8E0A-4769-B2B1-5847A2D30EA1}" type="datetimeFigureOut">
               <a:rPr kumimoji="1" lang="ja-JP" altLang="en-US" smtClean="0"/>
-              <a:t>2019/2/19</a:t>
+              <a:t>2019/4/25</a:t>
             </a:fld>
             <a:endParaRPr kumimoji="1" lang="ja-JP" altLang="en-US"/>
           </a:p>
@@ -673,7 +673,7 @@
           <a:p>
             <a:fld id="{FE075636-8E0A-4769-B2B1-5847A2D30EA1}" type="datetimeFigureOut">
               <a:rPr kumimoji="1" lang="ja-JP" altLang="en-US" smtClean="0"/>
-              <a:t>2019/2/19</a:t>
+              <a:t>2019/4/25</a:t>
             </a:fld>
             <a:endParaRPr kumimoji="1" lang="ja-JP" altLang="en-US"/>
           </a:p>
@@ -876,7 +876,7 @@
           <a:p>
             <a:fld id="{FE075636-8E0A-4769-B2B1-5847A2D30EA1}" type="datetimeFigureOut">
               <a:rPr kumimoji="1" lang="ja-JP" altLang="en-US" smtClean="0"/>
-              <a:t>2019/2/19</a:t>
+              <a:t>2019/4/25</a:t>
             </a:fld>
             <a:endParaRPr kumimoji="1" lang="ja-JP" altLang="en-US"/>
           </a:p>
@@ -1078,7 +1078,7 @@
           <a:p>
             <a:fld id="{FE075636-8E0A-4769-B2B1-5847A2D30EA1}" type="datetimeFigureOut">
               <a:rPr kumimoji="1" lang="ja-JP" altLang="en-US" smtClean="0"/>
-              <a:t>2019/2/19</a:t>
+              <a:t>2019/4/25</a:t>
             </a:fld>
             <a:endParaRPr kumimoji="1" lang="ja-JP" altLang="en-US"/>
           </a:p>
@@ -1329,7 +1329,7 @@
           <a:p>
             <a:fld id="{FE075636-8E0A-4769-B2B1-5847A2D30EA1}" type="datetimeFigureOut">
               <a:rPr kumimoji="1" lang="ja-JP" altLang="en-US" smtClean="0"/>
-              <a:t>2019/2/19</a:t>
+              <a:t>2019/4/25</a:t>
             </a:fld>
             <a:endParaRPr kumimoji="1" lang="ja-JP" altLang="en-US"/>
           </a:p>
@@ -1625,7 +1625,7 @@
           <a:p>
             <a:fld id="{FE075636-8E0A-4769-B2B1-5847A2D30EA1}" type="datetimeFigureOut">
               <a:rPr kumimoji="1" lang="ja-JP" altLang="en-US" smtClean="0"/>
-              <a:t>2019/2/19</a:t>
+              <a:t>2019/4/25</a:t>
             </a:fld>
             <a:endParaRPr kumimoji="1" lang="ja-JP" altLang="en-US"/>
           </a:p>
@@ -2036,7 +2036,7 @@
           <a:p>
             <a:fld id="{FE075636-8E0A-4769-B2B1-5847A2D30EA1}" type="datetimeFigureOut">
               <a:rPr kumimoji="1" lang="ja-JP" altLang="en-US" smtClean="0"/>
-              <a:t>2019/2/19</a:t>
+              <a:t>2019/4/25</a:t>
             </a:fld>
             <a:endParaRPr kumimoji="1" lang="ja-JP" altLang="en-US"/>
           </a:p>
@@ -2154,7 +2154,7 @@
           <a:p>
             <a:fld id="{FE075636-8E0A-4769-B2B1-5847A2D30EA1}" type="datetimeFigureOut">
               <a:rPr kumimoji="1" lang="ja-JP" altLang="en-US" smtClean="0"/>
-              <a:t>2019/2/19</a:t>
+              <a:t>2019/4/25</a:t>
             </a:fld>
             <a:endParaRPr kumimoji="1" lang="ja-JP" altLang="en-US"/>
           </a:p>
@@ -2272,7 +2272,7 @@
           <a:p>
             <a:fld id="{FE075636-8E0A-4769-B2B1-5847A2D30EA1}" type="datetimeFigureOut">
               <a:rPr kumimoji="1" lang="ja-JP" altLang="en-US" smtClean="0"/>
-              <a:t>2019/2/19</a:t>
+              <a:t>2019/4/25</a:t>
             </a:fld>
             <a:endParaRPr kumimoji="1" lang="ja-JP" altLang="en-US"/>
           </a:p>
@@ -2588,7 +2588,7 @@
           <a:p>
             <a:fld id="{FE075636-8E0A-4769-B2B1-5847A2D30EA1}" type="datetimeFigureOut">
               <a:rPr kumimoji="1" lang="ja-JP" altLang="en-US" smtClean="0"/>
-              <a:t>2019/2/19</a:t>
+              <a:t>2019/4/25</a:t>
             </a:fld>
             <a:endParaRPr kumimoji="1" lang="ja-JP" altLang="en-US"/>
           </a:p>
@@ -2790,7 +2790,7 @@
           <a:p>
             <a:fld id="{FE075636-8E0A-4769-B2B1-5847A2D30EA1}" type="datetimeFigureOut">
               <a:rPr kumimoji="1" lang="ja-JP" altLang="en-US" smtClean="0"/>
-              <a:t>2019/2/19</a:t>
+              <a:t>2019/4/25</a:t>
             </a:fld>
             <a:endParaRPr kumimoji="1" lang="ja-JP" altLang="en-US"/>
           </a:p>
@@ -3054,7 +3054,7 @@
           <a:p>
             <a:fld id="{FE075636-8E0A-4769-B2B1-5847A2D30EA1}" type="datetimeFigureOut">
               <a:rPr kumimoji="1" lang="ja-JP" altLang="en-US" smtClean="0"/>
-              <a:t>2019/2/19</a:t>
+              <a:t>2019/4/25</a:t>
             </a:fld>
             <a:endParaRPr kumimoji="1" lang="ja-JP" altLang="en-US"/>
           </a:p>
@@ -3256,7 +3256,7 @@
           <a:p>
             <a:fld id="{FE075636-8E0A-4769-B2B1-5847A2D30EA1}" type="datetimeFigureOut">
               <a:rPr kumimoji="1" lang="ja-JP" altLang="en-US" smtClean="0"/>
-              <a:t>2019/2/19</a:t>
+              <a:t>2019/4/25</a:t>
             </a:fld>
             <a:endParaRPr kumimoji="1" lang="ja-JP" altLang="en-US"/>
           </a:p>
@@ -3468,7 +3468,7 @@
           <a:p>
             <a:fld id="{FE075636-8E0A-4769-B2B1-5847A2D30EA1}" type="datetimeFigureOut">
               <a:rPr kumimoji="1" lang="ja-JP" altLang="en-US" smtClean="0"/>
-              <a:t>2019/2/19</a:t>
+              <a:t>2019/4/25</a:t>
             </a:fld>
             <a:endParaRPr kumimoji="1" lang="ja-JP" altLang="en-US"/>
           </a:p>
@@ -3719,7 +3719,7 @@
           <a:p>
             <a:fld id="{FE075636-8E0A-4769-B2B1-5847A2D30EA1}" type="datetimeFigureOut">
               <a:rPr kumimoji="1" lang="ja-JP" altLang="en-US" smtClean="0"/>
-              <a:t>2019/2/19</a:t>
+              <a:t>2019/4/25</a:t>
             </a:fld>
             <a:endParaRPr kumimoji="1" lang="ja-JP" altLang="en-US"/>
           </a:p>
@@ -4015,7 +4015,7 @@
           <a:p>
             <a:fld id="{FE075636-8E0A-4769-B2B1-5847A2D30EA1}" type="datetimeFigureOut">
               <a:rPr kumimoji="1" lang="ja-JP" altLang="en-US" smtClean="0"/>
-              <a:t>2019/2/19</a:t>
+              <a:t>2019/4/25</a:t>
             </a:fld>
             <a:endParaRPr kumimoji="1" lang="ja-JP" altLang="en-US"/>
           </a:p>
@@ -4426,7 +4426,7 @@
           <a:p>
             <a:fld id="{FE075636-8E0A-4769-B2B1-5847A2D30EA1}" type="datetimeFigureOut">
               <a:rPr kumimoji="1" lang="ja-JP" altLang="en-US" smtClean="0"/>
-              <a:t>2019/2/19</a:t>
+              <a:t>2019/4/25</a:t>
             </a:fld>
             <a:endParaRPr kumimoji="1" lang="ja-JP" altLang="en-US"/>
           </a:p>
@@ -4544,7 +4544,7 @@
           <a:p>
             <a:fld id="{FE075636-8E0A-4769-B2B1-5847A2D30EA1}" type="datetimeFigureOut">
               <a:rPr kumimoji="1" lang="ja-JP" altLang="en-US" smtClean="0"/>
-              <a:t>2019/2/19</a:t>
+              <a:t>2019/4/25</a:t>
             </a:fld>
             <a:endParaRPr kumimoji="1" lang="ja-JP" altLang="en-US"/>
           </a:p>
@@ -4662,7 +4662,7 @@
           <a:p>
             <a:fld id="{FE075636-8E0A-4769-B2B1-5847A2D30EA1}" type="datetimeFigureOut">
               <a:rPr kumimoji="1" lang="ja-JP" altLang="en-US" smtClean="0"/>
-              <a:t>2019/2/19</a:t>
+              <a:t>2019/4/25</a:t>
             </a:fld>
             <a:endParaRPr kumimoji="1" lang="ja-JP" altLang="en-US"/>
           </a:p>
@@ -4978,7 +4978,7 @@
           <a:p>
             <a:fld id="{FE075636-8E0A-4769-B2B1-5847A2D30EA1}" type="datetimeFigureOut">
               <a:rPr kumimoji="1" lang="ja-JP" altLang="en-US" smtClean="0"/>
-              <a:t>2019/2/19</a:t>
+              <a:t>2019/4/25</a:t>
             </a:fld>
             <a:endParaRPr kumimoji="1" lang="ja-JP" altLang="en-US"/>
           </a:p>
@@ -5242,7 +5242,7 @@
           <a:p>
             <a:fld id="{FE075636-8E0A-4769-B2B1-5847A2D30EA1}" type="datetimeFigureOut">
               <a:rPr kumimoji="1" lang="ja-JP" altLang="en-US" smtClean="0"/>
-              <a:t>2019/2/19</a:t>
+              <a:t>2019/4/25</a:t>
             </a:fld>
             <a:endParaRPr kumimoji="1" lang="ja-JP" altLang="en-US"/>
           </a:p>
@@ -5498,7 +5498,7 @@
           <a:p>
             <a:fld id="{FE075636-8E0A-4769-B2B1-5847A2D30EA1}" type="datetimeFigureOut">
               <a:rPr kumimoji="1" lang="ja-JP" altLang="en-US" smtClean="0"/>
-              <a:t>2019/2/19</a:t>
+              <a:t>2019/4/25</a:t>
             </a:fld>
             <a:endParaRPr kumimoji="1" lang="ja-JP" altLang="en-US"/>
           </a:p>
@@ -6075,7 +6075,7 @@
           <a:p>
             <a:fld id="{FE075636-8E0A-4769-B2B1-5847A2D30EA1}" type="datetimeFigureOut">
               <a:rPr kumimoji="1" lang="ja-JP" altLang="en-US" smtClean="0"/>
-              <a:t>2019/2/19</a:t>
+              <a:t>2019/4/25</a:t>
             </a:fld>
             <a:endParaRPr kumimoji="1" lang="ja-JP" altLang="en-US"/>
           </a:p>
@@ -6486,7 +6486,7 @@
         </p:nvSpPr>
         <p:spPr>
           <a:xfrm>
-            <a:off x="2539997" y="1706031"/>
+            <a:off x="5092697" y="1680633"/>
             <a:ext cx="6815669" cy="1515533"/>
           </a:xfrm>
           <a:blipFill>
@@ -6540,7 +6540,7 @@
         </p:nvSpPr>
         <p:spPr>
           <a:xfrm>
-            <a:off x="3048000" y="4330169"/>
+            <a:off x="3928531" y="3602299"/>
             <a:ext cx="9144000" cy="1655762"/>
           </a:xfrm>
         </p:spPr>
@@ -6567,8 +6567,8 @@
         </p:nvSpPr>
         <p:spPr>
           <a:xfrm>
-            <a:off x="-254000" y="2463797"/>
-            <a:ext cx="4686300" cy="4237564"/>
+            <a:off x="0" y="2438400"/>
+            <a:ext cx="4991100" cy="3983561"/>
           </a:xfrm>
           <a:prstGeom prst="star5">
             <a:avLst>
@@ -6601,7 +6601,7 @@
               <a:t>　　　　　・</a:t>
             </a:r>
             <a:r>
-              <a:rPr lang="ja-JP" altLang="en-US" sz="2400" u="sng" dirty="0"/>
+              <a:rPr lang="ja-JP" altLang="en-US" sz="2400" u="sng" dirty="0" smtClean="0"/>
               <a:t>コンセプト</a:t>
             </a:r>
             <a:endParaRPr lang="en-US" altLang="ja-JP" sz="2400" u="sng" dirty="0"/>
@@ -6609,26 +6609,10 @@
           <a:p>
             <a:pPr algn="ctr"/>
             <a:r>
-              <a:rPr lang="ja-JP" altLang="en-US" sz="2400" dirty="0"/>
-              <a:t>星を集め、</a:t>
-            </a:r>
-            <a:endParaRPr lang="en-US" altLang="ja-JP" sz="2400" dirty="0"/>
-          </a:p>
-          <a:p>
-            <a:pPr algn="ctr"/>
-            <a:r>
-              <a:rPr lang="ja-JP" altLang="en-US" sz="2400" dirty="0"/>
-              <a:t>星座を完成</a:t>
-            </a:r>
-            <a:r>
               <a:rPr lang="ja-JP" altLang="en-US" sz="2400" dirty="0" smtClean="0"/>
-              <a:t>させる</a:t>
+              <a:t>スキルを用いて仕掛けを解き、敵と戦い、アクションを楽しんでもらう。</a:t>
             </a:r>
             <a:endParaRPr lang="en-US" altLang="ja-JP" sz="2400" dirty="0" smtClean="0"/>
-          </a:p>
-          <a:p>
-            <a:pPr algn="ctr"/>
-            <a:endParaRPr lang="en-US" altLang="ja-JP" sz="2400" dirty="0"/>
           </a:p>
           <a:p>
             <a:r>
@@ -7319,7 +7303,7 @@
           <p:cNvPr id="2" name="矢印: 下 1">
             <a:extLst>
               <a:ext uri="{FF2B5EF4-FFF2-40B4-BE49-F238E27FC236}">
-                <a16:creationId xmlns:a16="http://schemas.microsoft.com/office/drawing/2014/main" xmlns="" id="{D4FF865A-6518-47AD-9A09-3199F8712AF6}"/>
+                <a16:creationId xmlns="" xmlns:a16="http://schemas.microsoft.com/office/drawing/2014/main" id="{D4FF865A-6518-47AD-9A09-3199F8712AF6}"/>
               </a:ext>
             </a:extLst>
           </p:cNvPr>
@@ -7365,7 +7349,7 @@
           <p:cNvPr id="3" name="矢印: 下 2">
             <a:extLst>
               <a:ext uri="{FF2B5EF4-FFF2-40B4-BE49-F238E27FC236}">
-                <a16:creationId xmlns:a16="http://schemas.microsoft.com/office/drawing/2014/main" xmlns="" id="{0DC33DA1-C7DA-495C-9F19-AEF98508FCCF}"/>
+                <a16:creationId xmlns="" xmlns:a16="http://schemas.microsoft.com/office/drawing/2014/main" id="{0DC33DA1-C7DA-495C-9F19-AEF98508FCCF}"/>
               </a:ext>
             </a:extLst>
           </p:cNvPr>
@@ -7411,7 +7395,7 @@
           <p:cNvPr id="6" name="矢印: 下 5">
             <a:extLst>
               <a:ext uri="{FF2B5EF4-FFF2-40B4-BE49-F238E27FC236}">
-                <a16:creationId xmlns:a16="http://schemas.microsoft.com/office/drawing/2014/main" xmlns="" id="{337797AB-C149-4895-85FA-0B7ADB44CF84}"/>
+                <a16:creationId xmlns="" xmlns:a16="http://schemas.microsoft.com/office/drawing/2014/main" id="{337797AB-C149-4895-85FA-0B7ADB44CF84}"/>
               </a:ext>
             </a:extLst>
           </p:cNvPr>
@@ -7457,7 +7441,7 @@
           <p:cNvPr id="8" name="矢印: 右カーブ 7">
             <a:extLst>
               <a:ext uri="{FF2B5EF4-FFF2-40B4-BE49-F238E27FC236}">
-                <a16:creationId xmlns:a16="http://schemas.microsoft.com/office/drawing/2014/main" xmlns="" id="{C9757068-40CB-43D8-AC33-A87575D763C0}"/>
+                <a16:creationId xmlns="" xmlns:a16="http://schemas.microsoft.com/office/drawing/2014/main" id="{C9757068-40CB-43D8-AC33-A87575D763C0}"/>
               </a:ext>
             </a:extLst>
           </p:cNvPr>
@@ -7507,7 +7491,7 @@
           <p:cNvPr id="10" name="吹き出し: 角を丸めた四角形 9">
             <a:extLst>
               <a:ext uri="{FF2B5EF4-FFF2-40B4-BE49-F238E27FC236}">
-                <a16:creationId xmlns:a16="http://schemas.microsoft.com/office/drawing/2014/main" xmlns="" id="{5EBC2E49-A86E-49F1-AC5F-3B0DB368F8F7}"/>
+                <a16:creationId xmlns="" xmlns:a16="http://schemas.microsoft.com/office/drawing/2014/main" id="{5EBC2E49-A86E-49F1-AC5F-3B0DB368F8F7}"/>
               </a:ext>
             </a:extLst>
           </p:cNvPr>
@@ -7968,7 +7952,7 @@
           <p:cNvPr id="2" name="矢印: 右 1">
             <a:extLst>
               <a:ext uri="{FF2B5EF4-FFF2-40B4-BE49-F238E27FC236}">
-                <a16:creationId xmlns:a16="http://schemas.microsoft.com/office/drawing/2014/main" xmlns="" id="{AB523A8A-5B16-4C01-BCC2-082660693E87}"/>
+                <a16:creationId xmlns="" xmlns:a16="http://schemas.microsoft.com/office/drawing/2014/main" id="{AB523A8A-5B16-4C01-BCC2-082660693E87}"/>
               </a:ext>
             </a:extLst>
           </p:cNvPr>
@@ -8059,7 +8043,7 @@
           <p:cNvPr id="4" name="矢印: 左 3">
             <a:extLst>
               <a:ext uri="{FF2B5EF4-FFF2-40B4-BE49-F238E27FC236}">
-                <a16:creationId xmlns:a16="http://schemas.microsoft.com/office/drawing/2014/main" xmlns="" id="{92078949-3F24-46B6-9049-A321B91D18A0}"/>
+                <a16:creationId xmlns="" xmlns:a16="http://schemas.microsoft.com/office/drawing/2014/main" id="{92078949-3F24-46B6-9049-A321B91D18A0}"/>
               </a:ext>
             </a:extLst>
           </p:cNvPr>
@@ -8216,7 +8200,7 @@
           <p:cNvPr id="11" name="図 10">
             <a:extLst>
               <a:ext uri="{FF2B5EF4-FFF2-40B4-BE49-F238E27FC236}">
-                <a16:creationId xmlns:a16="http://schemas.microsoft.com/office/drawing/2014/main" xmlns="" id="{E598AC05-56AD-49BE-B0D8-78B9DE8B8B82}"/>
+                <a16:creationId xmlns="" xmlns:a16="http://schemas.microsoft.com/office/drawing/2014/main" id="{E598AC05-56AD-49BE-B0D8-78B9DE8B8B82}"/>
               </a:ext>
             </a:extLst>
           </p:cNvPr>
@@ -8252,7 +8236,7 @@
           <p:cNvPr id="6" name="直線矢印コネクタ 5">
             <a:extLst>
               <a:ext uri="{FF2B5EF4-FFF2-40B4-BE49-F238E27FC236}">
-                <a16:creationId xmlns:a16="http://schemas.microsoft.com/office/drawing/2014/main" xmlns="" id="{F22756CB-98E6-4655-85FE-533F7EFC9E53}"/>
+                <a16:creationId xmlns="" xmlns:a16="http://schemas.microsoft.com/office/drawing/2014/main" id="{F22756CB-98E6-4655-85FE-533F7EFC9E53}"/>
               </a:ext>
             </a:extLst>
           </p:cNvPr>
@@ -8293,7 +8277,7 @@
           <p:cNvPr id="9" name="直線矢印コネクタ 8">
             <a:extLst>
               <a:ext uri="{FF2B5EF4-FFF2-40B4-BE49-F238E27FC236}">
-                <a16:creationId xmlns:a16="http://schemas.microsoft.com/office/drawing/2014/main" xmlns="" id="{7EF8B758-1D70-4FDF-9413-4E150A12AE4D}"/>
+                <a16:creationId xmlns="" xmlns:a16="http://schemas.microsoft.com/office/drawing/2014/main" id="{7EF8B758-1D70-4FDF-9413-4E150A12AE4D}"/>
               </a:ext>
             </a:extLst>
           </p:cNvPr>
@@ -8332,7 +8316,7 @@
           <p:cNvPr id="12" name="直線矢印コネクタ 11">
             <a:extLst>
               <a:ext uri="{FF2B5EF4-FFF2-40B4-BE49-F238E27FC236}">
-                <a16:creationId xmlns:a16="http://schemas.microsoft.com/office/drawing/2014/main" xmlns="" id="{FFD1CDF8-7044-44BE-BA39-0A99E91DB0E5}"/>
+                <a16:creationId xmlns="" xmlns:a16="http://schemas.microsoft.com/office/drawing/2014/main" id="{FFD1CDF8-7044-44BE-BA39-0A99E91DB0E5}"/>
               </a:ext>
             </a:extLst>
           </p:cNvPr>
@@ -8373,7 +8357,7 @@
           <p:cNvPr id="14" name="星: 5 pt 13">
             <a:extLst>
               <a:ext uri="{FF2B5EF4-FFF2-40B4-BE49-F238E27FC236}">
-                <a16:creationId xmlns:a16="http://schemas.microsoft.com/office/drawing/2014/main" xmlns="" id="{2B0AA979-4F7F-4A6D-9707-3D680ED9AB42}"/>
+                <a16:creationId xmlns="" xmlns:a16="http://schemas.microsoft.com/office/drawing/2014/main" id="{2B0AA979-4F7F-4A6D-9707-3D680ED9AB42}"/>
               </a:ext>
             </a:extLst>
           </p:cNvPr>
@@ -8419,7 +8403,7 @@
           <p:cNvPr id="15" name="星: 5 pt 14">
             <a:extLst>
               <a:ext uri="{FF2B5EF4-FFF2-40B4-BE49-F238E27FC236}">
-                <a16:creationId xmlns:a16="http://schemas.microsoft.com/office/drawing/2014/main" xmlns="" id="{C0890254-902C-4DC9-B7F4-0744D86209EE}"/>
+                <a16:creationId xmlns="" xmlns:a16="http://schemas.microsoft.com/office/drawing/2014/main" id="{C0890254-902C-4DC9-B7F4-0744D86209EE}"/>
               </a:ext>
             </a:extLst>
           </p:cNvPr>
@@ -8465,7 +8449,7 @@
           <p:cNvPr id="16" name="星: 5 pt 15">
             <a:extLst>
               <a:ext uri="{FF2B5EF4-FFF2-40B4-BE49-F238E27FC236}">
-                <a16:creationId xmlns:a16="http://schemas.microsoft.com/office/drawing/2014/main" xmlns="" id="{94DC9A3A-446F-4DC6-971D-C8716D58E000}"/>
+                <a16:creationId xmlns="" xmlns:a16="http://schemas.microsoft.com/office/drawing/2014/main" id="{94DC9A3A-446F-4DC6-971D-C8716D58E000}"/>
               </a:ext>
             </a:extLst>
           </p:cNvPr>
@@ -8511,7 +8495,7 @@
           <p:cNvPr id="18" name="吹き出し: 四角形 17">
             <a:extLst>
               <a:ext uri="{FF2B5EF4-FFF2-40B4-BE49-F238E27FC236}">
-                <a16:creationId xmlns:a16="http://schemas.microsoft.com/office/drawing/2014/main" xmlns="" id="{2FE95B96-4CF7-4B58-A625-AB3C40A39286}"/>
+                <a16:creationId xmlns="" xmlns:a16="http://schemas.microsoft.com/office/drawing/2014/main" id="{2FE95B96-4CF7-4B58-A625-AB3C40A39286}"/>
               </a:ext>
             </a:extLst>
           </p:cNvPr>
